--- a/lect5-s1-thread-basic.pptx
+++ b/lect5-s1-thread-basic.pptx
@@ -128,6 +128,22 @@
       </a:defRPr>
     </a:lvl9pPr>
   </p:defaultTextStyle>
+  <p:extLst>
+    <p:ext uri="{EFAFB233-063F-42B5-8137-9DF3F51BA10A}">
+      <p15:sldGuideLst xmlns:p15="http://schemas.microsoft.com/office/powerpoint/2012/main">
+        <p15:guide id="1" orient="horz" pos="2880">
+          <p15:clr>
+            <a:srgbClr val="A4A3A4"/>
+          </p15:clr>
+        </p15:guide>
+        <p15:guide id="2" pos="2160">
+          <p15:clr>
+            <a:srgbClr val="A4A3A4"/>
+          </p15:clr>
+        </p15:guide>
+      </p15:sldGuideLst>
+    </p:ext>
+  </p:extLst>
 </p:presentation>
 </file>
 
@@ -294,7 +310,7 @@
           <a:p>
             <a:fld id="{1D8BD707-D9CF-40AE-B4C6-C98DA3205C09}" type="datetimeFigureOut">
               <a:rPr lang="en-US"/>
-              <a:t>10/1/2017</a:t>
+              <a:t>10/12/2017</a:t>
             </a:fld>
             <a:endParaRPr lang="en-US"/>
           </a:p>
@@ -501,7 +517,7 @@
           <a:p>
             <a:fld id="{1D8BD707-D9CF-40AE-B4C6-C98DA3205C09}" type="datetimeFigureOut">
               <a:rPr lang="en-US"/>
-              <a:t>10/1/2017</a:t>
+              <a:t>10/12/2017</a:t>
             </a:fld>
             <a:endParaRPr lang="en-US"/>
           </a:p>
@@ -745,7 +761,7 @@
           <a:p>
             <a:fld id="{1D8BD707-D9CF-40AE-B4C6-C98DA3205C09}" type="datetimeFigureOut">
               <a:rPr lang="en-US"/>
-              <a:t>10/1/2017</a:t>
+              <a:t>10/12/2017</a:t>
             </a:fld>
             <a:endParaRPr lang="en-US"/>
           </a:p>
@@ -923,7 +939,7 @@
           <a:p>
             <a:fld id="{1D8BD707-D9CF-40AE-B4C6-C98DA3205C09}" type="datetimeFigureOut">
               <a:rPr lang="en-US"/>
-              <a:t>10/1/2017</a:t>
+              <a:t>10/12/2017</a:t>
             </a:fld>
             <a:endParaRPr lang="en-US"/>
           </a:p>
@@ -1072,7 +1088,7 @@
           <a:p>
             <a:fld id="{1D8BD707-D9CF-40AE-B4C6-C98DA3205C09}" type="datetimeFigureOut">
               <a:rPr lang="en-US"/>
-              <a:t>10/1/2017</a:t>
+              <a:t>10/12/2017</a:t>
             </a:fld>
             <a:endParaRPr lang="en-US"/>
           </a:p>
@@ -1327,7 +1343,7 @@
           <a:p>
             <a:fld id="{1D8BD707-D9CF-40AE-B4C6-C98DA3205C09}" type="datetimeFigureOut">
               <a:rPr lang="en-US"/>
-              <a:t>10/1/2017</a:t>
+              <a:t>10/12/2017</a:t>
             </a:fld>
             <a:endParaRPr lang="en-US"/>
           </a:p>
@@ -2098,7 +2114,19 @@
           <a:p>
             <a:r>
               <a:rPr lang="en-US" sz="2400" dirty="0"/>
-              <a:t>There are two ways to create a thread:</a:t>
+              <a:t>There are </a:t>
+            </a:r>
+            <a:r>
+              <a:rPr lang="en-US" sz="2400" dirty="0">
+                <a:solidFill>
+                  <a:srgbClr val="FF0000"/>
+                </a:solidFill>
+              </a:rPr>
+              <a:t>two ways to create a thread</a:t>
+            </a:r>
+            <a:r>
+              <a:rPr lang="en-US" sz="2400" dirty="0"/>
+              <a:t>:</a:t>
             </a:r>
           </a:p>
           <a:p>
@@ -3473,7 +3501,7 @@
             <a:r>
               <a:rPr lang="en-US" sz="3200" dirty="0" smtClean="0">
                 <a:solidFill>
-                  <a:schemeClr val="tx1"/>
+                  <a:srgbClr val="FF0000"/>
                 </a:solidFill>
                 <a:latin typeface="Arial" panose="020B0604020202020204" pitchFamily="34" charset="0"/>
                 <a:cs typeface="Arial" panose="020B0604020202020204" pitchFamily="34" charset="0"/>
@@ -3483,12 +3511,22 @@
             <a:r>
               <a:rPr lang="en-US" sz="3200" dirty="0">
                 <a:solidFill>
-                  <a:schemeClr val="tx1"/>
+                  <a:srgbClr val="FF0000"/>
                 </a:solidFill>
                 <a:latin typeface="Arial" panose="020B0604020202020204" pitchFamily="34" charset="0"/>
                 <a:cs typeface="Arial" panose="020B0604020202020204" pitchFamily="34" charset="0"/>
               </a:rPr>
-              <a:t>used methods of Thread class</a:t>
+              <a:t>used methods </a:t>
+            </a:r>
+            <a:r>
+              <a:rPr lang="en-US" sz="3200" dirty="0">
+                <a:solidFill>
+                  <a:schemeClr val="tx1"/>
+                </a:solidFill>
+                <a:latin typeface="Arial" panose="020B0604020202020204" pitchFamily="34" charset="0"/>
+                <a:cs typeface="Arial" panose="020B0604020202020204" pitchFamily="34" charset="0"/>
+              </a:rPr>
+              <a:t>of Thread class</a:t>
             </a:r>
             <a:r>
               <a:rPr lang="en-US" sz="3200" dirty="0" smtClean="0">
@@ -3519,7 +3557,7 @@
           <p:nvPr>
             <p:extLst>
               <p:ext uri="{D42A27DB-BD31-4B8C-83A1-F6EECF244321}">
-                <p14:modId xmlns:p14="http://schemas.microsoft.com/office/powerpoint/2010/main" val="2120195588"/>
+                <p14:modId xmlns:p14="http://schemas.microsoft.com/office/powerpoint/2010/main" val="1711794781"/>
               </p:ext>
             </p:extLst>
           </p:nvPr>
@@ -3620,7 +3658,31 @@
                           <a:ea typeface="+mn-ea"/>
                           <a:cs typeface="+mn-cs"/>
                         </a:rPr>
-                        <a:t>is used to perform action for a thread.</a:t>
+                        <a:t>is used to </a:t>
+                      </a:r>
+                      <a:r>
+                        <a:rPr lang="en-US" b="0" i="0" dirty="0" smtClean="0">
+                          <a:solidFill>
+                            <a:srgbClr val="00B050"/>
+                          </a:solidFill>
+                          <a:effectLst/>
+                          <a:latin typeface="+mn-lt"/>
+                          <a:ea typeface="+mn-ea"/>
+                          <a:cs typeface="+mn-cs"/>
+                        </a:rPr>
+                        <a:t>perform</a:t>
+                      </a:r>
+                      <a:r>
+                        <a:rPr lang="en-US" b="0" i="0" dirty="0" smtClean="0">
+                          <a:solidFill>
+                            <a:schemeClr val="tx1"/>
+                          </a:solidFill>
+                          <a:effectLst/>
+                          <a:latin typeface="+mn-lt"/>
+                          <a:ea typeface="+mn-ea"/>
+                          <a:cs typeface="+mn-cs"/>
+                        </a:rPr>
+                        <a:t> action for a thread.</a:t>
                       </a:r>
                       <a:endParaRPr lang="en-US" dirty="0"/>
                     </a:p>
@@ -3666,12 +3728,24 @@
                           <a:ea typeface="+mn-ea"/>
                           <a:cs typeface="+mn-cs"/>
                         </a:rPr>
-                        <a:t>starts the execution of the </a:t>
+                        <a:t>starts the execution of </a:t>
+                      </a:r>
+                      <a:r>
+                        <a:rPr lang="en-US" b="0" i="0" dirty="0" smtClean="0">
+                          <a:solidFill>
+                            <a:srgbClr val="FF0000"/>
+                          </a:solidFill>
+                          <a:effectLst/>
+                          <a:latin typeface="+mn-lt"/>
+                          <a:ea typeface="+mn-ea"/>
+                          <a:cs typeface="+mn-cs"/>
+                        </a:rPr>
+                        <a:t>the </a:t>
                       </a:r>
                       <a:r>
                         <a:rPr lang="en-US" b="0" i="0" dirty="0" err="1" smtClean="0">
                           <a:solidFill>
-                            <a:schemeClr val="tx1"/>
+                            <a:srgbClr val="FF0000"/>
                           </a:solidFill>
                           <a:effectLst/>
                           <a:latin typeface="+mn-lt"/>
@@ -3683,6 +3757,18 @@
                       <a:r>
                         <a:rPr lang="en-US" b="0" i="0" dirty="0" smtClean="0">
                           <a:solidFill>
+                            <a:srgbClr val="FF0000"/>
+                          </a:solidFill>
+                          <a:effectLst/>
+                          <a:latin typeface="+mn-lt"/>
+                          <a:ea typeface="+mn-ea"/>
+                          <a:cs typeface="+mn-cs"/>
+                        </a:rPr>
+                        <a:t> calls the run() method on the thread</a:t>
+                      </a:r>
+                      <a:r>
+                        <a:rPr lang="en-US" b="0" i="0" dirty="0" smtClean="0">
+                          <a:solidFill>
                             <a:schemeClr val="tx1"/>
                           </a:solidFill>
                           <a:effectLst/>
@@ -3690,7 +3776,55 @@
                           <a:ea typeface="+mn-ea"/>
                           <a:cs typeface="+mn-cs"/>
                         </a:rPr>
-                        <a:t> calls the run() method on the thread.</a:t>
+                        <a:t>. (</a:t>
+                      </a:r>
+                      <a:r>
+                        <a:rPr lang="en-US" b="0" i="0" dirty="0" smtClean="0">
+                          <a:solidFill>
+                            <a:srgbClr val="00B050"/>
+                          </a:solidFill>
+                          <a:effectLst/>
+                          <a:latin typeface="+mn-lt"/>
+                          <a:ea typeface="+mn-ea"/>
+                          <a:cs typeface="+mn-cs"/>
+                        </a:rPr>
+                        <a:t>call stack, run with</a:t>
+                      </a:r>
+                      <a:r>
+                        <a:rPr lang="en-US" b="0" i="0" baseline="0" dirty="0" smtClean="0">
+                          <a:solidFill>
+                            <a:srgbClr val="00B050"/>
+                          </a:solidFill>
+                          <a:effectLst/>
+                          <a:latin typeface="+mn-lt"/>
+                          <a:ea typeface="+mn-ea"/>
+                          <a:cs typeface="+mn-cs"/>
+                        </a:rPr>
+                        <a:t> </a:t>
+                      </a:r>
+                      <a:r>
+                        <a:rPr lang="en-US" altLang="ko-KR" b="0" i="0" dirty="0" smtClean="0">
+                          <a:solidFill>
+                            <a:srgbClr val="00B050"/>
+                          </a:solidFill>
+                          <a:effectLst/>
+                          <a:latin typeface="+mn-lt"/>
+                          <a:ea typeface="+mn-ea"/>
+                          <a:cs typeface="+mn-cs"/>
+                        </a:rPr>
+                        <a:t>priority </a:t>
+                      </a:r>
+                      <a:r>
+                        <a:rPr lang="en-US" b="0" i="0" dirty="0" smtClean="0">
+                          <a:solidFill>
+                            <a:schemeClr val="tx1"/>
+                          </a:solidFill>
+                          <a:effectLst/>
+                          <a:latin typeface="+mn-lt"/>
+                          <a:ea typeface="+mn-ea"/>
+                          <a:cs typeface="+mn-cs"/>
+                        </a:rPr>
+                        <a:t>)</a:t>
                       </a:r>
                       <a:endParaRPr lang="en-US" dirty="0"/>
                     </a:p>
@@ -3760,7 +3894,31 @@
                           <a:ea typeface="+mn-ea"/>
                           <a:cs typeface="+mn-cs"/>
                         </a:rPr>
-                        <a:t>Causes the currently executing thread to sleep (temporarily cease execution) for the specified number of milliseconds.</a:t>
+                        <a:t>Causes the currently executing thread to sleep (</a:t>
+                      </a:r>
+                      <a:r>
+                        <a:rPr lang="en-US" b="0" i="0" dirty="0" smtClean="0">
+                          <a:solidFill>
+                            <a:srgbClr val="00B050"/>
+                          </a:solidFill>
+                          <a:effectLst/>
+                          <a:latin typeface="+mn-lt"/>
+                          <a:ea typeface="+mn-ea"/>
+                          <a:cs typeface="+mn-cs"/>
+                        </a:rPr>
+                        <a:t>temporarily cease execution</a:t>
+                      </a:r>
+                      <a:r>
+                        <a:rPr lang="en-US" b="0" i="0" dirty="0" smtClean="0">
+                          <a:solidFill>
+                            <a:schemeClr val="tx1"/>
+                          </a:solidFill>
+                          <a:effectLst/>
+                          <a:latin typeface="+mn-lt"/>
+                          <a:ea typeface="+mn-ea"/>
+                          <a:cs typeface="+mn-cs"/>
+                        </a:rPr>
+                        <a:t>) for the specified number of milliseconds.</a:t>
                       </a:r>
                       <a:endParaRPr lang="en-US" dirty="0"/>
                     </a:p>
@@ -4556,14 +4714,14 @@
           <p:nvPr>
             <p:extLst>
               <p:ext uri="{D42A27DB-BD31-4B8C-83A1-F6EECF244321}">
-                <p14:modId xmlns:p14="http://schemas.microsoft.com/office/powerpoint/2010/main" val="585167119"/>
+                <p14:modId xmlns:p14="http://schemas.microsoft.com/office/powerpoint/2010/main" val="2249672997"/>
               </p:ext>
             </p:extLst>
           </p:nvPr>
         </p:nvGraphicFramePr>
         <p:xfrm>
           <a:off x="228600" y="381000"/>
-          <a:ext cx="8686800" cy="5793216"/>
+          <a:ext cx="8686800" cy="5909720"/>
         </p:xfrm>
         <a:graphic>
           <a:graphicData uri="http://schemas.openxmlformats.org/drawingml/2006/table">
@@ -5077,6 +5235,23 @@
                     <a:bodyPr/>
                     <a:lstStyle/>
                     <a:p>
+                      <a:pPr marL="0" marR="0" indent="0" defTabSz="914400" eaLnBrk="1" fontAlgn="auto" latinLnBrk="0" hangingPunct="1">
+                        <a:lnSpc>
+                          <a:spcPct val="100000"/>
+                        </a:lnSpc>
+                        <a:spcBef>
+                          <a:spcPts val="0"/>
+                        </a:spcBef>
+                        <a:spcAft>
+                          <a:spcPts val="0"/>
+                        </a:spcAft>
+                        <a:buClrTx/>
+                        <a:buSzTx/>
+                        <a:buFontTx/>
+                        <a:buNone/>
+                        <a:tabLst/>
+                        <a:defRPr/>
+                      </a:pPr>
                       <a:r>
                         <a:rPr lang="en-US" b="1" i="0" dirty="0" smtClean="0">
                           <a:solidFill>
@@ -5099,9 +5274,145 @@
                           <a:ea typeface="+mn-ea"/>
                           <a:cs typeface="+mn-cs"/>
                         </a:rPr>
-                        <a:t>tests if the thread is a daemon thread.</a:t>
+                        <a:t>tests if the thread is a </a:t>
                       </a:r>
-                      <a:endParaRPr lang="en-US" dirty="0"/>
+                      <a:r>
+                        <a:rPr lang="en-US" b="0" i="0" dirty="0" smtClean="0">
+                          <a:solidFill>
+                            <a:srgbClr val="FF0000"/>
+                          </a:solidFill>
+                          <a:effectLst/>
+                          <a:latin typeface="+mn-lt"/>
+                          <a:ea typeface="+mn-ea"/>
+                          <a:cs typeface="+mn-cs"/>
+                        </a:rPr>
+                        <a:t>daemon</a:t>
+                      </a:r>
+                      <a:r>
+                        <a:rPr lang="en-US" b="0" i="0" dirty="0" smtClean="0">
+                          <a:solidFill>
+                            <a:schemeClr val="tx1"/>
+                          </a:solidFill>
+                          <a:effectLst/>
+                          <a:latin typeface="+mn-lt"/>
+                          <a:ea typeface="+mn-ea"/>
+                          <a:cs typeface="+mn-cs"/>
+                        </a:rPr>
+                        <a:t> thread. </a:t>
+                      </a:r>
+                      <a:r>
+                        <a:rPr lang="en-US" sz="1200" b="0" i="0" dirty="0" smtClean="0">
+                          <a:solidFill>
+                            <a:srgbClr val="00B050"/>
+                          </a:solidFill>
+                          <a:effectLst/>
+                          <a:latin typeface="+mn-lt"/>
+                          <a:ea typeface="+mn-ea"/>
+                          <a:cs typeface="+mn-cs"/>
+                        </a:rPr>
+                        <a:t>(</a:t>
+                      </a:r>
+                      <a:r>
+                        <a:rPr lang="ko-KR" altLang="en-US" sz="1200" b="0" i="0" dirty="0" smtClean="0">
+                          <a:solidFill>
+                            <a:srgbClr val="00B050"/>
+                          </a:solidFill>
+                          <a:effectLst/>
+                          <a:latin typeface="+mn-lt"/>
+                          <a:ea typeface="+mn-ea"/>
+                          <a:cs typeface="+mn-cs"/>
+                        </a:rPr>
+                        <a:t>예</a:t>
+                      </a:r>
+                      <a:r>
+                        <a:rPr lang="en-US" altLang="ko-KR" sz="1200" b="0" i="0" dirty="0" smtClean="0">
+                          <a:solidFill>
+                            <a:srgbClr val="00B050"/>
+                          </a:solidFill>
+                          <a:effectLst/>
+                          <a:latin typeface="+mn-lt"/>
+                          <a:ea typeface="+mn-ea"/>
+                          <a:cs typeface="+mn-cs"/>
+                        </a:rPr>
+                        <a:t>) </a:t>
+                      </a:r>
+                      <a:r>
+                        <a:rPr lang="ko-KR" altLang="en-US" sz="1200" b="0" i="0" dirty="0" smtClean="0">
+                          <a:solidFill>
+                            <a:srgbClr val="00B050"/>
+                          </a:solidFill>
+                          <a:effectLst/>
+                          <a:latin typeface="+mn-lt"/>
+                          <a:ea typeface="+mn-ea"/>
+                          <a:cs typeface="+mn-cs"/>
+                        </a:rPr>
+                        <a:t>가비지컬렉터</a:t>
+                      </a:r>
+                      <a:r>
+                        <a:rPr lang="en-US" altLang="ko-KR" sz="1200" b="0" i="0" dirty="0" smtClean="0">
+                          <a:solidFill>
+                            <a:srgbClr val="00B050"/>
+                          </a:solidFill>
+                          <a:effectLst/>
+                          <a:latin typeface="+mn-lt"/>
+                          <a:ea typeface="+mn-ea"/>
+                          <a:cs typeface="+mn-cs"/>
+                        </a:rPr>
+                        <a:t>, </a:t>
+                      </a:r>
+                      <a:r>
+                        <a:rPr lang="ko-KR" altLang="en-US" sz="1200" b="0" i="0" dirty="0" smtClean="0">
+                          <a:solidFill>
+                            <a:srgbClr val="00B050"/>
+                          </a:solidFill>
+                          <a:effectLst/>
+                          <a:latin typeface="+mn-lt"/>
+                          <a:ea typeface="+mn-ea"/>
+                          <a:cs typeface="+mn-cs"/>
+                        </a:rPr>
+                        <a:t>워드프로세서의 자동저장</a:t>
+                      </a:r>
+                      <a:r>
+                        <a:rPr lang="en-US" altLang="ko-KR" sz="1200" b="0" i="0" dirty="0" smtClean="0">
+                          <a:solidFill>
+                            <a:srgbClr val="00B050"/>
+                          </a:solidFill>
+                          <a:effectLst/>
+                          <a:latin typeface="+mn-lt"/>
+                          <a:ea typeface="+mn-ea"/>
+                          <a:cs typeface="+mn-cs"/>
+                        </a:rPr>
+                        <a:t>, </a:t>
+                      </a:r>
+                      <a:r>
+                        <a:rPr lang="ko-KR" altLang="en-US" sz="1200" b="0" i="0" dirty="0" smtClean="0">
+                          <a:solidFill>
+                            <a:srgbClr val="00B050"/>
+                          </a:solidFill>
+                          <a:effectLst/>
+                          <a:latin typeface="+mn-lt"/>
+                          <a:ea typeface="+mn-ea"/>
+                          <a:cs typeface="+mn-cs"/>
+                        </a:rPr>
+                        <a:t>화면자동갱신 등</a:t>
+                      </a:r>
+                      <a:r>
+                        <a:rPr lang="en-US" sz="1200" b="0" i="0" dirty="0" smtClean="0">
+                          <a:solidFill>
+                            <a:srgbClr val="00B050"/>
+                          </a:solidFill>
+                          <a:effectLst/>
+                          <a:latin typeface="+mn-lt"/>
+                          <a:ea typeface="+mn-ea"/>
+                          <a:cs typeface="+mn-cs"/>
+                        </a:rPr>
+                        <a:t>)</a:t>
+                      </a:r>
+                      <a:endParaRPr lang="en-US" sz="1200" dirty="0">
+                        <a:solidFill>
+                          <a:srgbClr val="00B050"/>
+                        </a:solidFill>
+                      </a:endParaRPr>
                     </a:p>
                   </a:txBody>
                   <a:tcPr/>
@@ -5999,19 +6310,35 @@
               <a:buChar char="•"/>
             </a:pPr>
             <a:r>
-              <a:rPr lang="en-US" sz="2000" dirty="0" smtClean="0"/>
+              <a:rPr lang="en-US" sz="2000" dirty="0" smtClean="0">
+                <a:solidFill>
+                  <a:srgbClr val="FF0000"/>
+                </a:solidFill>
+              </a:rPr>
               <a:t>A </a:t>
             </a:r>
             <a:r>
-              <a:rPr lang="en-US" sz="2000" dirty="0"/>
+              <a:rPr lang="en-US" sz="2000" dirty="0">
+                <a:solidFill>
+                  <a:srgbClr val="FF0000"/>
+                </a:solidFill>
+              </a:rPr>
               <a:t>new thread starts(with new </a:t>
             </a:r>
             <a:r>
-              <a:rPr lang="en-US" sz="2000" dirty="0" err="1"/>
+              <a:rPr lang="en-US" sz="2000" dirty="0" err="1">
+                <a:solidFill>
+                  <a:srgbClr val="FF0000"/>
+                </a:solidFill>
+              </a:rPr>
               <a:t>callstack</a:t>
             </a:r>
             <a:r>
-              <a:rPr lang="en-US" sz="2000" dirty="0" smtClean="0"/>
+              <a:rPr lang="en-US" sz="2000" dirty="0" smtClean="0">
+                <a:solidFill>
+                  <a:srgbClr val="FF0000"/>
+                </a:solidFill>
+              </a:rPr>
               <a:t>).</a:t>
             </a:r>
           </a:p>
@@ -6021,15 +6348,27 @@
               <a:buChar char="•"/>
             </a:pPr>
             <a:r>
-              <a:rPr lang="en-US" sz="2000" dirty="0" smtClean="0"/>
+              <a:rPr lang="en-US" sz="2000" dirty="0" smtClean="0">
+                <a:solidFill>
+                  <a:srgbClr val="FF0000"/>
+                </a:solidFill>
+              </a:rPr>
               <a:t>The </a:t>
             </a:r>
             <a:r>
-              <a:rPr lang="en-US" sz="2000" dirty="0"/>
+              <a:rPr lang="en-US" sz="2000" dirty="0">
+                <a:solidFill>
+                  <a:srgbClr val="FF0000"/>
+                </a:solidFill>
+              </a:rPr>
               <a:t>thread moves from New state to the Runnable </a:t>
             </a:r>
             <a:r>
-              <a:rPr lang="en-US" sz="2000" dirty="0" smtClean="0"/>
+              <a:rPr lang="en-US" sz="2000" dirty="0" smtClean="0">
+                <a:solidFill>
+                  <a:srgbClr val="FF0000"/>
+                </a:solidFill>
+              </a:rPr>
               <a:t>state.</a:t>
             </a:r>
           </a:p>
@@ -6039,11 +6378,19 @@
               <a:buChar char="•"/>
             </a:pPr>
             <a:r>
-              <a:rPr lang="en-US" sz="2000" dirty="0" smtClean="0"/>
+              <a:rPr lang="en-US" sz="2000" dirty="0" smtClean="0">
+                <a:solidFill>
+                  <a:srgbClr val="FF0000"/>
+                </a:solidFill>
+              </a:rPr>
               <a:t>When </a:t>
             </a:r>
             <a:r>
-              <a:rPr lang="en-US" sz="2000" dirty="0"/>
+              <a:rPr lang="en-US" sz="2000" dirty="0">
+                <a:solidFill>
+                  <a:srgbClr val="FF0000"/>
+                </a:solidFill>
+              </a:rPr>
               <a:t>the thread gets a chance to execute, its target run() method will run.</a:t>
             </a:r>
           </a:p>
@@ -6815,6 +7162,9 @@
           <a:p>
             <a:r>
               <a:rPr lang="en-US" sz="2400" dirty="0">
+                <a:solidFill>
+                  <a:srgbClr val="FF0000"/>
+                </a:solidFill>
                 <a:latin typeface="Courier New" panose="02070309020205020404" pitchFamily="49" charset="0"/>
                 <a:cs typeface="Courier New" panose="02070309020205020404" pitchFamily="49" charset="0"/>
               </a:rPr>
@@ -6822,6 +7172,9 @@
             </a:r>
             <a:r>
               <a:rPr lang="en-US" sz="2400" b="1" dirty="0">
+                <a:solidFill>
+                  <a:srgbClr val="FF0000"/>
+                </a:solidFill>
                 <a:latin typeface="Courier New" panose="02070309020205020404" pitchFamily="49" charset="0"/>
                 <a:cs typeface="Courier New" panose="02070309020205020404" pitchFamily="49" charset="0"/>
               </a:rPr>
@@ -6829,19 +7182,39 @@
             </a:r>
             <a:r>
               <a:rPr lang="en-US" sz="2400" dirty="0">
-                <a:latin typeface="Courier New" panose="02070309020205020404" pitchFamily="49" charset="0"/>
-                <a:cs typeface="Courier New" panose="02070309020205020404" pitchFamily="49" charset="0"/>
-              </a:rPr>
-              <a:t> Thread(m1);  </a:t>
-            </a:r>
-          </a:p>
-          <a:p>
+                <a:solidFill>
+                  <a:srgbClr val="FF0000"/>
+                </a:solidFill>
+                <a:latin typeface="Courier New" panose="02070309020205020404" pitchFamily="49" charset="0"/>
+                <a:cs typeface="Courier New" panose="02070309020205020404" pitchFamily="49" charset="0"/>
+              </a:rPr>
+              <a:t> Thread(m1);</a:t>
+            </a:r>
             <a:r>
               <a:rPr lang="en-US" sz="2400" dirty="0">
                 <a:latin typeface="Courier New" panose="02070309020205020404" pitchFamily="49" charset="0"/>
                 <a:cs typeface="Courier New" panose="02070309020205020404" pitchFamily="49" charset="0"/>
               </a:rPr>
-              <a:t>t1.start();  </a:t>
+              <a:t>  </a:t>
+            </a:r>
+          </a:p>
+          <a:p>
+            <a:r>
+              <a:rPr lang="en-US" sz="2400" dirty="0">
+                <a:solidFill>
+                  <a:srgbClr val="FF0000"/>
+                </a:solidFill>
+                <a:latin typeface="Courier New" panose="02070309020205020404" pitchFamily="49" charset="0"/>
+                <a:cs typeface="Courier New" panose="02070309020205020404" pitchFamily="49" charset="0"/>
+              </a:rPr>
+              <a:t>t1.</a:t>
+            </a:r>
+            <a:r>
+              <a:rPr lang="en-US" sz="2400" dirty="0">
+                <a:latin typeface="Courier New" panose="02070309020205020404" pitchFamily="49" charset="0"/>
+                <a:cs typeface="Courier New" panose="02070309020205020404" pitchFamily="49" charset="0"/>
+              </a:rPr>
+              <a:t>start();  </a:t>
             </a:r>
           </a:p>
           <a:p>
@@ -7134,7 +7507,7 @@
             <a:r>
               <a:rPr lang="en-US" spc="-5" dirty="0" smtClean="0">
                 <a:solidFill>
-                  <a:srgbClr val="000000"/>
+                  <a:srgbClr val="FF0000"/>
                 </a:solidFill>
                 <a:latin typeface="Arial"/>
                 <a:cs typeface="Arial"/>
@@ -7143,7 +7516,7 @@
             </a:r>
             <a:endParaRPr spc="-5" dirty="0">
               <a:solidFill>
-                <a:srgbClr val="000000"/>
+                <a:srgbClr val="FF0000"/>
               </a:solidFill>
               <a:latin typeface="Arial"/>
               <a:cs typeface="Arial"/>
@@ -7178,7 +7551,43 @@
             </a:r>
             <a:r>
               <a:rPr lang="en-US" sz="2400" dirty="0"/>
-              <a:t> in java is the part of the JVM that decides which thread should run.</a:t>
+              <a:t> in java is the </a:t>
+            </a:r>
+            <a:r>
+              <a:rPr lang="en-US" sz="2400" dirty="0">
+                <a:solidFill>
+                  <a:srgbClr val="FF0000"/>
+                </a:solidFill>
+              </a:rPr>
+              <a:t>part of the JVM </a:t>
+            </a:r>
+            <a:r>
+              <a:rPr lang="en-US" sz="2400" dirty="0"/>
+              <a:t>that </a:t>
+            </a:r>
+            <a:r>
+              <a:rPr lang="en-US" sz="2400" dirty="0">
+                <a:solidFill>
+                  <a:srgbClr val="FF0000"/>
+                </a:solidFill>
+              </a:rPr>
+              <a:t>decides</a:t>
+            </a:r>
+            <a:r>
+              <a:rPr lang="en-US" sz="2400" dirty="0"/>
+              <a:t> which thread should </a:t>
+            </a:r>
+            <a:r>
+              <a:rPr lang="en-US" sz="2400" dirty="0">
+                <a:solidFill>
+                  <a:srgbClr val="FF0000"/>
+                </a:solidFill>
+              </a:rPr>
+              <a:t>run</a:t>
+            </a:r>
+            <a:r>
+              <a:rPr lang="en-US" sz="2400" dirty="0"/>
+              <a:t>.</a:t>
             </a:r>
           </a:p>
           <a:p>
@@ -7188,7 +7597,19 @@
             </a:pPr>
             <a:r>
               <a:rPr lang="en-US" sz="2400" dirty="0"/>
-              <a:t>There is no guarantee that which runnable thread will be chosen to run by the thread scheduler.</a:t>
+              <a:t>There is </a:t>
+            </a:r>
+            <a:r>
+              <a:rPr lang="en-US" sz="2400" dirty="0">
+                <a:solidFill>
+                  <a:srgbClr val="FF0000"/>
+                </a:solidFill>
+              </a:rPr>
+              <a:t>no guarantee </a:t>
+            </a:r>
+            <a:r>
+              <a:rPr lang="en-US" sz="2400" dirty="0"/>
+              <a:t>that which runnable thread will be chosen to run by the thread scheduler.</a:t>
             </a:r>
           </a:p>
           <a:p>
@@ -7197,7 +7618,11 @@
               <a:buChar char="•"/>
             </a:pPr>
             <a:r>
-              <a:rPr lang="en-US" sz="2400" dirty="0"/>
+              <a:rPr lang="en-US" sz="2400" dirty="0">
+                <a:solidFill>
+                  <a:srgbClr val="FF0000"/>
+                </a:solidFill>
+              </a:rPr>
               <a:t>Only one thread at a time can run in a single process.</a:t>
             </a:r>
           </a:p>
@@ -7225,9 +7650,26 @@
               <a:buChar char="•"/>
             </a:pPr>
             <a:r>
-              <a:rPr lang="en-US" sz="2400" b="1" dirty="0" smtClean="0"/>
-              <a:t>Preemptive:</a:t>
-            </a:r>
+              <a:rPr lang="en-US" sz="2400" b="1" dirty="0" smtClean="0">
+                <a:solidFill>
+                  <a:srgbClr val="FF0000"/>
+                </a:solidFill>
+              </a:rPr>
+              <a:t>Preemptive: </a:t>
+            </a:r>
+            <a:r>
+              <a:rPr lang="ko-KR" altLang="en-US" sz="1400" b="1" dirty="0">
+                <a:solidFill>
+                  <a:srgbClr val="FF0000"/>
+                </a:solidFill>
+              </a:rPr>
+              <a:t>선점 형</a:t>
+            </a:r>
+            <a:endParaRPr lang="en-US" sz="1400" b="1" dirty="0" smtClean="0">
+              <a:solidFill>
+                <a:srgbClr val="FF0000"/>
+              </a:solidFill>
+            </a:endParaRPr>
           </a:p>
           <a:p>
             <a:pPr marL="800100" lvl="1" indent="-342900">
@@ -7239,8 +7681,16 @@
               <a:t>The </a:t>
             </a:r>
             <a:r>
+              <a:rPr lang="en-US" sz="2400" dirty="0">
+                <a:solidFill>
+                  <a:srgbClr val="FF0000"/>
+                </a:solidFill>
+              </a:rPr>
+              <a:t>highest priority task </a:t>
+            </a:r>
+            <a:r>
               <a:rPr lang="en-US" sz="2400" dirty="0"/>
-              <a:t>highest priority task executes until it enters the waiting or dead </a:t>
+              <a:t>executes until it enters the waiting or dead </a:t>
             </a:r>
             <a:r>
               <a:rPr lang="en-US" sz="2400" dirty="0" smtClean="0"/>
@@ -7260,9 +7710,26 @@
               <a:buChar char="•"/>
             </a:pPr>
             <a:r>
-              <a:rPr lang="en-US" sz="2400" b="1" dirty="0" smtClean="0"/>
-              <a:t>Time Slicing:</a:t>
-            </a:r>
+              <a:rPr lang="en-US" sz="2400" b="1" dirty="0" smtClean="0">
+                <a:solidFill>
+                  <a:srgbClr val="FF0000"/>
+                </a:solidFill>
+              </a:rPr>
+              <a:t>Time Slicing: </a:t>
+            </a:r>
+            <a:r>
+              <a:rPr lang="ko-KR" altLang="en-US" sz="1400" b="1" dirty="0">
+                <a:solidFill>
+                  <a:srgbClr val="FF0000"/>
+                </a:solidFill>
+              </a:rPr>
+              <a:t>시간 분할 형</a:t>
+            </a:r>
+            <a:endParaRPr lang="en-US" sz="1400" b="1" dirty="0" smtClean="0">
+              <a:solidFill>
+                <a:srgbClr val="FF0000"/>
+              </a:solidFill>
+            </a:endParaRPr>
           </a:p>
           <a:p>
             <a:pPr marL="800100" lvl="1" indent="-342900">
@@ -7275,7 +7742,31 @@
             </a:r>
             <a:r>
               <a:rPr lang="en-US" sz="2400" dirty="0"/>
-              <a:t>executes for a predefined slice of time and then reenters the pool of ready tasks. </a:t>
+              <a:t>executes for a predefined </a:t>
+            </a:r>
+            <a:r>
+              <a:rPr lang="en-US" sz="2400" dirty="0">
+                <a:solidFill>
+                  <a:srgbClr val="FF0000"/>
+                </a:solidFill>
+              </a:rPr>
+              <a:t>slice of time </a:t>
+            </a:r>
+            <a:r>
+              <a:rPr lang="en-US" sz="2400" dirty="0"/>
+              <a:t>and then </a:t>
+            </a:r>
+            <a:r>
+              <a:rPr lang="en-US" sz="2400" dirty="0">
+                <a:solidFill>
+                  <a:srgbClr val="FF0000"/>
+                </a:solidFill>
+              </a:rPr>
+              <a:t>reenters the pool </a:t>
+            </a:r>
+            <a:r>
+              <a:rPr lang="en-US" sz="2400" dirty="0"/>
+              <a:t>of ready tasks. </a:t>
             </a:r>
             <a:endParaRPr lang="en-US" sz="2400" b="1" dirty="0" smtClean="0"/>
           </a:p>
@@ -7336,7 +7827,7 @@
             <a:r>
               <a:rPr lang="en-US" dirty="0" smtClean="0">
                 <a:solidFill>
-                  <a:schemeClr val="tx1"/>
+                  <a:srgbClr val="FF0000"/>
                 </a:solidFill>
                 <a:latin typeface="Arial" panose="020B0604020202020204" pitchFamily="34" charset="0"/>
                 <a:cs typeface="Arial" panose="020B0604020202020204" pitchFamily="34" charset="0"/>
@@ -7345,7 +7836,7 @@
             </a:r>
             <a:endParaRPr lang="en-US" dirty="0">
               <a:solidFill>
-                <a:schemeClr val="tx1"/>
+                <a:srgbClr val="FF0000"/>
               </a:solidFill>
               <a:latin typeface="Arial" panose="020B0604020202020204" pitchFamily="34" charset="0"/>
               <a:cs typeface="Arial" panose="020B0604020202020204" pitchFamily="34" charset="0"/>
@@ -7391,20 +7882,40 @@
               <a:buChar char="•"/>
             </a:pPr>
             <a:r>
-              <a:rPr lang="en-US" sz="2000" dirty="0" smtClean="0"/>
+              <a:rPr lang="en-US" sz="2000" dirty="0" smtClean="0">
+                <a:solidFill>
+                  <a:srgbClr val="FF0000"/>
+                </a:solidFill>
+              </a:rPr>
               <a:t>If </a:t>
             </a:r>
             <a:r>
+              <a:rPr lang="en-US" sz="2000" dirty="0">
+                <a:solidFill>
+                  <a:srgbClr val="FF0000"/>
+                </a:solidFill>
+              </a:rPr>
+              <a:t>you does so, an </a:t>
+            </a:r>
+            <a:r>
+              <a:rPr lang="en-US" sz="2000" i="1" dirty="0" err="1">
+                <a:solidFill>
+                  <a:srgbClr val="FF0000"/>
+                </a:solidFill>
+              </a:rPr>
+              <a:t>IllegalThreadStateException</a:t>
+            </a:r>
+            <a:r>
+              <a:rPr lang="en-US" sz="2000" dirty="0">
+                <a:solidFill>
+                  <a:srgbClr val="FF0000"/>
+                </a:solidFill>
+              </a:rPr>
+              <a:t> is thrown</a:t>
+            </a:r>
+            <a:r>
               <a:rPr lang="en-US" sz="2000" dirty="0"/>
-              <a:t>you does so, an </a:t>
-            </a:r>
-            <a:r>
-              <a:rPr lang="en-US" sz="2000" i="1" dirty="0" err="1"/>
-              <a:t>IllegalThreadStateException</a:t>
-            </a:r>
-            <a:r>
-              <a:rPr lang="en-US" sz="2000" dirty="0"/>
-              <a:t> is thrown. </a:t>
+              <a:t>. </a:t>
             </a:r>
             <a:endParaRPr lang="en-US" sz="2000" dirty="0" smtClean="0"/>
           </a:p>
@@ -8842,7 +9353,7 @@
         <p:spPr>
           <a:xfrm>
             <a:off x="530223" y="1731514"/>
-            <a:ext cx="8082280" cy="3820160"/>
+            <a:ext cx="8082280" cy="3921586"/>
           </a:xfrm>
           <a:prstGeom prst="rect">
             <a:avLst/>
@@ -8892,7 +9403,7 @@
               </a:rPr>
               <a:t>to:</a:t>
             </a:r>
-            <a:endParaRPr sz="2400">
+            <a:endParaRPr sz="2400" dirty="0">
               <a:latin typeface="Century Gothic"/>
               <a:cs typeface="Century Gothic"/>
             </a:endParaRPr>
@@ -8906,7 +9417,7 @@
                 <a:spcPts val="15"/>
               </a:spcBef>
             </a:pPr>
-            <a:endParaRPr sz="3350">
+            <a:endParaRPr sz="3350" dirty="0">
               <a:latin typeface="Times New Roman"/>
               <a:cs typeface="Times New Roman"/>
             </a:endParaRPr>
@@ -8930,29 +9441,42 @@
                 <a:latin typeface="Arial"/>
                 <a:cs typeface="Arial"/>
               </a:rPr>
-              <a:t>Examine Concurrent Programming</a:t>
-            </a:r>
-            <a:r>
-              <a:rPr sz="2400" spc="-25" dirty="0">
-                <a:solidFill>
-                  <a:srgbClr val="0033CC"/>
+              <a:t>Examine </a:t>
+            </a:r>
+            <a:r>
+              <a:rPr sz="2400" spc="-5" dirty="0">
+                <a:solidFill>
+                  <a:srgbClr val="FF0000"/>
                 </a:solidFill>
                 <a:latin typeface="Arial"/>
                 <a:cs typeface="Arial"/>
               </a:rPr>
-              <a:t> </a:t>
-            </a:r>
-            <a:r>
-              <a:rPr sz="2400" spc="-5" dirty="0">
-                <a:solidFill>
-                  <a:srgbClr val="0033CC"/>
+              <a:t>Concurrent Programming</a:t>
+            </a:r>
+            <a:r>
+              <a:rPr sz="2400" spc="-25" dirty="0">
+                <a:solidFill>
+                  <a:srgbClr val="FF0000"/>
                 </a:solidFill>
                 <a:latin typeface="Arial"/>
                 <a:cs typeface="Arial"/>
               </a:rPr>
+              <a:t> </a:t>
+            </a:r>
+            <a:r>
+              <a:rPr sz="2400" spc="-5" dirty="0">
+                <a:solidFill>
+                  <a:srgbClr val="FF0000"/>
+                </a:solidFill>
+                <a:latin typeface="Arial"/>
+                <a:cs typeface="Arial"/>
+              </a:rPr>
               <a:t>Design</a:t>
             </a:r>
-            <a:endParaRPr sz="2400">
+            <a:endParaRPr sz="2400" dirty="0">
+              <a:solidFill>
+                <a:srgbClr val="FF0000"/>
+              </a:solidFill>
               <a:latin typeface="Arial"/>
               <a:cs typeface="Arial"/>
             </a:endParaRPr>
@@ -8971,7 +9495,7 @@
               <a:buFont typeface="Arial"/>
               <a:buChar char="•"/>
             </a:pPr>
-            <a:endParaRPr sz="3350">
+            <a:endParaRPr sz="3350" dirty="0">
               <a:latin typeface="Times New Roman"/>
               <a:cs typeface="Times New Roman"/>
             </a:endParaRPr>
@@ -9017,7 +9541,7 @@
               </a:rPr>
               <a:t>Java</a:t>
             </a:r>
-            <a:endParaRPr sz="2400">
+            <a:endParaRPr sz="2400" dirty="0">
               <a:latin typeface="Arial"/>
               <a:cs typeface="Arial"/>
             </a:endParaRPr>
@@ -9036,7 +9560,7 @@
               <a:buFont typeface="Arial"/>
               <a:buChar char="•"/>
             </a:pPr>
-            <a:endParaRPr sz="3350">
+            <a:endParaRPr sz="3350" dirty="0">
               <a:latin typeface="Times New Roman"/>
               <a:cs typeface="Times New Roman"/>
             </a:endParaRPr>
@@ -9073,16 +9597,39 @@
               <a:t> </a:t>
             </a:r>
             <a:r>
-              <a:rPr sz="2400" spc="-5" dirty="0">
-                <a:solidFill>
-                  <a:srgbClr val="0033CC"/>
+              <a:rPr sz="2400" spc="-5" dirty="0" smtClean="0">
+                <a:solidFill>
+                  <a:srgbClr val="FF0000"/>
                 </a:solidFill>
                 <a:latin typeface="Arial"/>
                 <a:cs typeface="Arial"/>
               </a:rPr>
               <a:t>Contention</a:t>
             </a:r>
-            <a:endParaRPr sz="2400">
+            <a:r>
+              <a:rPr lang="en-CA" sz="2400" spc="-5" dirty="0" smtClean="0">
+                <a:solidFill>
+                  <a:srgbClr val="FF0000"/>
+                </a:solidFill>
+                <a:latin typeface="Arial"/>
+                <a:cs typeface="Arial"/>
+              </a:rPr>
+              <a:t> </a:t>
+            </a:r>
+            <a:r>
+              <a:rPr lang="ko-KR" altLang="en-US" sz="2400" spc="-5" dirty="0">
+                <a:solidFill>
+                  <a:srgbClr val="FF0000"/>
+                </a:solidFill>
+                <a:latin typeface="Arial"/>
+                <a:cs typeface="Arial"/>
+              </a:rPr>
+              <a:t>투쟁</a:t>
+            </a:r>
+            <a:endParaRPr sz="2400" dirty="0">
+              <a:solidFill>
+                <a:srgbClr val="FF0000"/>
+              </a:solidFill>
               <a:latin typeface="Arial"/>
               <a:cs typeface="Arial"/>
             </a:endParaRPr>
@@ -9101,7 +9648,7 @@
               <a:buFont typeface="Arial"/>
               <a:buChar char="•"/>
             </a:pPr>
-            <a:endParaRPr sz="3350">
+            <a:endParaRPr sz="3350" dirty="0">
               <a:latin typeface="Times New Roman"/>
               <a:cs typeface="Times New Roman"/>
             </a:endParaRPr>
@@ -9147,7 +9694,7 @@
               </a:rPr>
               <a:t>Objects</a:t>
             </a:r>
-            <a:endParaRPr sz="2400">
+            <a:endParaRPr sz="2400" dirty="0">
               <a:latin typeface="Arial"/>
               <a:cs typeface="Arial"/>
             </a:endParaRPr>
@@ -10138,7 +10685,7 @@
             <a:r>
               <a:rPr sz="1800" b="1" spc="-5" dirty="0">
                 <a:solidFill>
-                  <a:srgbClr val="0066FF"/>
+                  <a:srgbClr val="FF0000"/>
                 </a:solidFill>
                 <a:latin typeface="Consolas"/>
                 <a:cs typeface="Consolas"/>
@@ -10146,6 +10693,9 @@
               <a:t>InterruptedException</a:t>
             </a:r>
             <a:endParaRPr sz="1800" dirty="0">
+              <a:solidFill>
+                <a:srgbClr val="FF0000"/>
+              </a:solidFill>
               <a:latin typeface="Consolas"/>
               <a:cs typeface="Consolas"/>
             </a:endParaRPr>
@@ -10374,27 +10924,59 @@
             </a:pPr>
             <a:r>
               <a:rPr lang="en-US" sz="2000" dirty="0"/>
-              <a:t>If you sleep a thread for the specified time</a:t>
+              <a:t>If you </a:t>
+            </a:r>
+            <a:r>
+              <a:rPr lang="en-US" sz="2000" dirty="0">
+                <a:solidFill>
+                  <a:srgbClr val="FF0000"/>
+                </a:solidFill>
+              </a:rPr>
+              <a:t>sleep</a:t>
+            </a:r>
+            <a:r>
+              <a:rPr lang="en-US" sz="2000" dirty="0"/>
+              <a:t> a thread for the specified time</a:t>
             </a:r>
             <a:r>
               <a:rPr lang="en-US" sz="2000" dirty="0" smtClean="0"/>
               <a:t>, the </a:t>
             </a:r>
             <a:r>
+              <a:rPr lang="en-US" sz="2000" dirty="0">
+                <a:solidFill>
+                  <a:srgbClr val="FF0000"/>
+                </a:solidFill>
+              </a:rPr>
+              <a:t>thread </a:t>
+            </a:r>
+            <a:r>
+              <a:rPr lang="en-US" sz="2000" dirty="0" err="1" smtClean="0">
+                <a:solidFill>
+                  <a:srgbClr val="FF0000"/>
+                </a:solidFill>
+              </a:rPr>
+              <a:t>schedular</a:t>
+            </a:r>
+            <a:r>
+              <a:rPr lang="en-US" sz="2000" dirty="0" smtClean="0">
+                <a:solidFill>
+                  <a:srgbClr val="FF0000"/>
+                </a:solidFill>
+              </a:rPr>
+              <a:t> </a:t>
+            </a:r>
+            <a:r>
+              <a:rPr lang="en-US" sz="2000" dirty="0">
+                <a:solidFill>
+                  <a:srgbClr val="FF0000"/>
+                </a:solidFill>
+              </a:rPr>
+              <a:t>picks up another thread </a:t>
+            </a:r>
+            <a:r>
               <a:rPr lang="en-US" sz="2000" dirty="0"/>
-              <a:t>thread </a:t>
-            </a:r>
-            <a:r>
-              <a:rPr lang="en-US" sz="2000" dirty="0" err="1" smtClean="0"/>
-              <a:t>schedular</a:t>
-            </a:r>
-            <a:r>
-              <a:rPr lang="en-US" sz="2000" dirty="0" smtClean="0"/>
-              <a:t> </a:t>
-            </a:r>
-            <a:r>
-              <a:rPr lang="en-US" sz="2000" dirty="0"/>
-              <a:t>picks up another thread and so on.</a:t>
+              <a:t>and so on.</a:t>
             </a:r>
             <a:endParaRPr lang="en-US" sz="2000" spc="-5" dirty="0" smtClean="0">
               <a:latin typeface="Arial"/>
@@ -10597,6 +11179,9 @@
             </a:r>
             <a:r>
               <a:rPr spc="-5" dirty="0">
+                <a:solidFill>
+                  <a:srgbClr val="FF0000"/>
+                </a:solidFill>
                 <a:latin typeface="Courier New"/>
                 <a:cs typeface="Courier New"/>
               </a:rPr>
@@ -10770,7 +11355,41 @@
                 <a:latin typeface="Arial" panose="020B0604020202020204" pitchFamily="34" charset="0"/>
                 <a:cs typeface="Arial" panose="020B0604020202020204" pitchFamily="34" charset="0"/>
               </a:rPr>
-              <a:t>In other words, it causes the currently running threads to stop executing until the thread it joins with completes its task</a:t>
+              <a:t>In other words, it causes the currently running threads</a:t>
+            </a:r>
+            <a:r>
+              <a:rPr lang="en-US" sz="2000" dirty="0">
+                <a:solidFill>
+                  <a:srgbClr val="FF0000"/>
+                </a:solidFill>
+                <a:latin typeface="Arial" panose="020B0604020202020204" pitchFamily="34" charset="0"/>
+                <a:cs typeface="Arial" panose="020B0604020202020204" pitchFamily="34" charset="0"/>
+              </a:rPr>
+              <a:t> to stop executing until the thread </a:t>
+            </a:r>
+            <a:r>
+              <a:rPr lang="en-US" sz="2000" dirty="0">
+                <a:latin typeface="Arial" panose="020B0604020202020204" pitchFamily="34" charset="0"/>
+                <a:cs typeface="Arial" panose="020B0604020202020204" pitchFamily="34" charset="0"/>
+              </a:rPr>
+              <a:t>it joins with </a:t>
+            </a:r>
+            <a:r>
+              <a:rPr lang="en-US" sz="2000" dirty="0">
+                <a:solidFill>
+                  <a:srgbClr val="FF0000"/>
+                </a:solidFill>
+                <a:latin typeface="Arial" panose="020B0604020202020204" pitchFamily="34" charset="0"/>
+                <a:cs typeface="Arial" panose="020B0604020202020204" pitchFamily="34" charset="0"/>
+              </a:rPr>
+              <a:t>completes</a:t>
+            </a:r>
+            <a:r>
+              <a:rPr lang="en-US" sz="2000" dirty="0">
+                <a:latin typeface="Arial" panose="020B0604020202020204" pitchFamily="34" charset="0"/>
+                <a:cs typeface="Arial" panose="020B0604020202020204" pitchFamily="34" charset="0"/>
+              </a:rPr>
+              <a:t> its task</a:t>
             </a:r>
             <a:r>
               <a:rPr lang="en-US" sz="2000" dirty="0" smtClean="0">
@@ -10937,7 +11556,7 @@
             <a:r>
               <a:rPr spc="-10" dirty="0">
                 <a:solidFill>
-                  <a:srgbClr val="000000"/>
+                  <a:srgbClr val="FF0000"/>
                 </a:solidFill>
                 <a:latin typeface="Arial"/>
                 <a:cs typeface="Arial"/>
@@ -12252,7 +12871,7 @@
         </p:nvSpPr>
         <p:spPr>
           <a:xfrm>
-            <a:off x="5181600" y="4267200"/>
+            <a:off x="7491556" y="3352800"/>
             <a:ext cx="3888309" cy="2031325"/>
           </a:xfrm>
           <a:prstGeom prst="rect">
@@ -12974,7 +13593,7 @@
               </a:rPr>
               <a:t>{</a:t>
             </a:r>
-            <a:endParaRPr sz="1800">
+            <a:endParaRPr sz="1800" dirty="0">
               <a:latin typeface="Consolas"/>
               <a:cs typeface="Consolas"/>
             </a:endParaRPr>
@@ -12998,7 +13617,7 @@
               </a:rPr>
               <a:t>super(str);</a:t>
             </a:r>
-            <a:endParaRPr sz="1800">
+            <a:endParaRPr sz="1800" dirty="0">
               <a:latin typeface="Consolas"/>
               <a:cs typeface="Consolas"/>
             </a:endParaRPr>
@@ -13022,7 +13641,7 @@
               </a:rPr>
               <a:t>}</a:t>
             </a:r>
-            <a:endParaRPr sz="1800">
+            <a:endParaRPr sz="1800" dirty="0">
               <a:latin typeface="Consolas"/>
               <a:cs typeface="Consolas"/>
             </a:endParaRPr>
@@ -13066,7 +13685,7 @@
               </a:rPr>
               <a:t>{</a:t>
             </a:r>
-            <a:endParaRPr sz="1800">
+            <a:endParaRPr sz="1800" dirty="0">
               <a:latin typeface="Consolas"/>
               <a:cs typeface="Consolas"/>
             </a:endParaRPr>
@@ -13197,7 +13816,7 @@
               </a:rPr>
               <a:t>{</a:t>
             </a:r>
-            <a:endParaRPr sz="1800">
+            <a:endParaRPr sz="1800" dirty="0">
               <a:latin typeface="Consolas"/>
               <a:cs typeface="Consolas"/>
             </a:endParaRPr>
@@ -13251,7 +13870,7 @@
               </a:rPr>
               <a:t>1000));</a:t>
             </a:r>
-            <a:endParaRPr sz="1800">
+            <a:endParaRPr sz="1800" dirty="0">
               <a:latin typeface="Consolas"/>
               <a:cs typeface="Consolas"/>
             </a:endParaRPr>
@@ -13305,7 +13924,7 @@
               </a:rPr>
               <a:t>{}</a:t>
             </a:r>
-            <a:endParaRPr sz="1800">
+            <a:endParaRPr sz="1800" dirty="0">
               <a:latin typeface="Consolas"/>
               <a:cs typeface="Consolas"/>
             </a:endParaRPr>
@@ -13329,7 +13948,7 @@
               </a:rPr>
               <a:t>}</a:t>
             </a:r>
-            <a:endParaRPr sz="1800">
+            <a:endParaRPr sz="1800" dirty="0">
               <a:latin typeface="Consolas"/>
               <a:cs typeface="Consolas"/>
             </a:endParaRPr>
@@ -13383,7 +14002,7 @@
               </a:rPr>
               <a:t>getName());</a:t>
             </a:r>
-            <a:endParaRPr sz="1800">
+            <a:endParaRPr sz="1800" dirty="0">
               <a:latin typeface="Consolas"/>
               <a:cs typeface="Consolas"/>
             </a:endParaRPr>
@@ -13407,7 +14026,7 @@
               </a:rPr>
               <a:t>}</a:t>
             </a:r>
-            <a:endParaRPr sz="1800">
+            <a:endParaRPr sz="1800" dirty="0">
               <a:latin typeface="Consolas"/>
               <a:cs typeface="Consolas"/>
             </a:endParaRPr>
@@ -13451,7 +14070,7 @@
               </a:rPr>
               <a:t>{</a:t>
             </a:r>
-            <a:endParaRPr sz="1800">
+            <a:endParaRPr sz="1800" dirty="0">
               <a:latin typeface="Consolas"/>
               <a:cs typeface="Consolas"/>
             </a:endParaRPr>
@@ -13492,7 +14111,7 @@
               </a:rPr>
               <a:t>&lt;&lt;&lt;&lt;&lt;&lt;&lt;&lt;&lt;").start();</a:t>
             </a:r>
-            <a:endParaRPr sz="1800">
+            <a:endParaRPr sz="1800" dirty="0">
               <a:latin typeface="Consolas"/>
               <a:cs typeface="Consolas"/>
             </a:endParaRPr>
@@ -13503,7 +14122,7 @@
                 <a:spcPct val="100000"/>
               </a:lnSpc>
             </a:pPr>
-            <a:endParaRPr sz="1900">
+            <a:endParaRPr sz="1900" dirty="0">
               <a:latin typeface="Times New Roman"/>
               <a:cs typeface="Times New Roman"/>
             </a:endParaRPr>
@@ -13547,7 +14166,7 @@
               </a:rPr>
               <a:t>ALL!");</a:t>
             </a:r>
-            <a:endParaRPr sz="1800">
+            <a:endParaRPr sz="1800" dirty="0">
               <a:latin typeface="Consolas"/>
               <a:cs typeface="Consolas"/>
             </a:endParaRPr>
@@ -13571,7 +14190,7 @@
               </a:rPr>
               <a:t>}</a:t>
             </a:r>
-            <a:endParaRPr sz="1800">
+            <a:endParaRPr sz="1800" dirty="0">
               <a:latin typeface="Consolas"/>
               <a:cs typeface="Consolas"/>
             </a:endParaRPr>
@@ -13595,7 +14214,7 @@
               </a:rPr>
               <a:t>}</a:t>
             </a:r>
-            <a:endParaRPr sz="1800">
+            <a:endParaRPr sz="1800" dirty="0">
               <a:latin typeface="Consolas"/>
               <a:cs typeface="Consolas"/>
             </a:endParaRPr>
@@ -13772,7 +14391,7 @@
         <p:spPr>
           <a:xfrm>
             <a:off x="530223" y="1308605"/>
-            <a:ext cx="7799070" cy="3814445"/>
+            <a:ext cx="7799070" cy="3913892"/>
           </a:xfrm>
           <a:prstGeom prst="rect">
             <a:avLst/>
@@ -13813,7 +14432,7 @@
               </a:rPr>
               <a:t>about:</a:t>
             </a:r>
-            <a:endParaRPr sz="2400">
+            <a:endParaRPr sz="2400" dirty="0">
               <a:latin typeface="Century Gothic"/>
               <a:cs typeface="Century Gothic"/>
             </a:endParaRPr>
@@ -13827,7 +14446,7 @@
                 <a:spcPts val="30"/>
               </a:spcBef>
             </a:pPr>
-            <a:endParaRPr sz="3300">
+            <a:endParaRPr sz="3300" dirty="0">
               <a:latin typeface="Times New Roman"/>
               <a:cs typeface="Times New Roman"/>
             </a:endParaRPr>
@@ -13873,7 +14492,7 @@
               </a:rPr>
               <a:t>Threads</a:t>
             </a:r>
-            <a:endParaRPr sz="2400">
+            <a:endParaRPr sz="2400" dirty="0">
               <a:latin typeface="Arial"/>
               <a:cs typeface="Arial"/>
             </a:endParaRPr>
@@ -13892,7 +14511,7 @@
               <a:buFont typeface="Arial"/>
               <a:buChar char="•"/>
             </a:pPr>
-            <a:endParaRPr sz="3350">
+            <a:endParaRPr sz="3350" dirty="0">
               <a:latin typeface="Times New Roman"/>
               <a:cs typeface="Times New Roman"/>
             </a:endParaRPr>
@@ -13938,7 +14557,7 @@
               </a:rPr>
               <a:t>Sections</a:t>
             </a:r>
-            <a:endParaRPr sz="2400">
+            <a:endParaRPr sz="2400" dirty="0">
               <a:latin typeface="Arial"/>
               <a:cs typeface="Arial"/>
             </a:endParaRPr>
@@ -13957,7 +14576,7 @@
               <a:buFont typeface="Arial"/>
               <a:buChar char="•"/>
             </a:pPr>
-            <a:endParaRPr sz="3350">
+            <a:endParaRPr sz="3350" dirty="0">
               <a:latin typeface="Times New Roman"/>
               <a:cs typeface="Times New Roman"/>
             </a:endParaRPr>
@@ -14013,7 +14632,7 @@
               </a:rPr>
               <a:t>Thread</a:t>
             </a:r>
-            <a:endParaRPr sz="2400">
+            <a:endParaRPr sz="2400" dirty="0">
               <a:latin typeface="Arial"/>
               <a:cs typeface="Arial"/>
             </a:endParaRPr>
@@ -14032,7 +14651,7 @@
               <a:buFont typeface="Arial"/>
               <a:buChar char="•"/>
             </a:pPr>
-            <a:endParaRPr sz="3350">
+            <a:endParaRPr sz="3350" dirty="0">
               <a:latin typeface="Times New Roman"/>
               <a:cs typeface="Times New Roman"/>
             </a:endParaRPr>
@@ -14056,32 +14675,38 @@
                 <a:latin typeface="Arial"/>
                 <a:cs typeface="Arial"/>
               </a:rPr>
-              <a:t>Pausing Thread Execution: Sleep, Interrupts, and</a:t>
-            </a:r>
-            <a:r>
-              <a:rPr sz="2400" spc="-100" dirty="0">
-                <a:solidFill>
-                  <a:srgbClr val="0033CC"/>
+              <a:t>Pausing Thread Execution: </a:t>
+            </a:r>
+            <a:r>
+              <a:rPr sz="2400" spc="-5" dirty="0">
+                <a:solidFill>
+                  <a:srgbClr val="FF0000"/>
                 </a:solidFill>
                 <a:latin typeface="Arial"/>
                 <a:cs typeface="Arial"/>
               </a:rPr>
-              <a:t> </a:t>
-            </a:r>
-            <a:r>
-              <a:rPr sz="2400" dirty="0">
-                <a:solidFill>
-                  <a:srgbClr val="0033CC"/>
+              <a:t>Sleep, Interrupts, and</a:t>
+            </a:r>
+            <a:r>
+              <a:rPr sz="2400" spc="-100" dirty="0">
+                <a:solidFill>
+                  <a:srgbClr val="FF0000"/>
                 </a:solidFill>
                 <a:latin typeface="Arial"/>
                 <a:cs typeface="Arial"/>
               </a:rPr>
+              <a:t> </a:t>
+            </a:r>
+            <a:r>
+              <a:rPr sz="2400" dirty="0">
+                <a:solidFill>
+                  <a:srgbClr val="FF0000"/>
+                </a:solidFill>
+                <a:latin typeface="Arial"/>
+                <a:cs typeface="Arial"/>
+              </a:rPr>
               <a:t>Joins</a:t>
             </a:r>
-            <a:endParaRPr sz="2400">
-              <a:latin typeface="Arial"/>
-              <a:cs typeface="Arial"/>
-            </a:endParaRPr>
           </a:p>
         </p:txBody>
       </p:sp>
@@ -14323,21 +14948,44 @@
                 <a:latin typeface="Arial" panose="020B0604020202020204" pitchFamily="34" charset="0"/>
                 <a:cs typeface="Arial" panose="020B0604020202020204" pitchFamily="34" charset="0"/>
               </a:rPr>
-              <a:t>A thread is the </a:t>
-            </a:r>
-            <a:r>
-              <a:rPr lang="en-US" sz="2400" i="1" dirty="0" smtClean="0">
+              <a:t>A thread is </a:t>
+            </a:r>
+            <a:r>
+              <a:rPr lang="en-US" sz="2400" i="1" dirty="0">
+                <a:solidFill>
+                  <a:srgbClr val="FF0000"/>
+                </a:solidFill>
                 <a:latin typeface="Arial" panose="020B0604020202020204" pitchFamily="34" charset="0"/>
                 <a:cs typeface="Arial" panose="020B0604020202020204" pitchFamily="34" charset="0"/>
               </a:rPr>
+              <a:t>the </a:t>
+            </a:r>
+            <a:r>
+              <a:rPr lang="en-US" sz="2400" i="1" dirty="0" smtClean="0">
+                <a:solidFill>
+                  <a:srgbClr val="FF0000"/>
+                </a:solidFill>
+                <a:latin typeface="Arial" panose="020B0604020202020204" pitchFamily="34" charset="0"/>
+                <a:cs typeface="Arial" panose="020B0604020202020204" pitchFamily="34" charset="0"/>
+              </a:rPr>
               <a:t>flow of </a:t>
+            </a:r>
+            <a:r>
+              <a:rPr lang="en-US" sz="2400" i="1" dirty="0">
+                <a:solidFill>
+                  <a:srgbClr val="FF0000"/>
+                </a:solidFill>
+                <a:latin typeface="Arial" panose="020B0604020202020204" pitchFamily="34" charset="0"/>
+                <a:cs typeface="Arial" panose="020B0604020202020204" pitchFamily="34" charset="0"/>
+              </a:rPr>
+              <a:t>execution</a:t>
             </a:r>
             <a:r>
               <a:rPr lang="en-US" sz="2400" i="1" dirty="0">
                 <a:latin typeface="Arial" panose="020B0604020202020204" pitchFamily="34" charset="0"/>
                 <a:cs typeface="Arial" panose="020B0604020202020204" pitchFamily="34" charset="0"/>
               </a:rPr>
-              <a:t>execution, from beginning to end, of a task</a:t>
+              <a:t>, from beginning to end, of a task</a:t>
             </a:r>
             <a:r>
               <a:rPr lang="en-US" sz="2400" i="1" dirty="0" smtClean="0">
@@ -14431,6 +15079,9 @@
             </a:r>
             <a:r>
               <a:rPr sz="2000" spc="-5" dirty="0">
+                <a:solidFill>
+                  <a:srgbClr val="FF0000"/>
+                </a:solidFill>
                 <a:latin typeface="Arial"/>
                 <a:cs typeface="Arial"/>
               </a:rPr>
@@ -14438,6 +15089,9 @@
             </a:r>
             <a:r>
               <a:rPr sz="2000" spc="-40" dirty="0">
+                <a:solidFill>
+                  <a:srgbClr val="FF0000"/>
+                </a:solidFill>
                 <a:latin typeface="Arial"/>
                 <a:cs typeface="Arial"/>
               </a:rPr>
@@ -14445,6 +15099,9 @@
             </a:r>
             <a:r>
               <a:rPr sz="2000" spc="-5" dirty="0" smtClean="0">
+                <a:solidFill>
+                  <a:srgbClr val="FF0000"/>
+                </a:solidFill>
                 <a:latin typeface="Arial"/>
                 <a:cs typeface="Arial"/>
               </a:rPr>
@@ -14452,6 +15109,9 @@
             </a:r>
             <a:r>
               <a:rPr lang="en-US" sz="2000" spc="-5" dirty="0" smtClean="0">
+                <a:solidFill>
+                  <a:srgbClr val="FF0000"/>
+                </a:solidFill>
                 <a:latin typeface="Arial"/>
                 <a:cs typeface="Arial"/>
               </a:rPr>
@@ -14661,7 +15321,19 @@
           <a:p>
             <a:r>
               <a:rPr lang="en-US" sz="2000" dirty="0" smtClean="0"/>
-              <a:t>The process of executing multiple threads simultaneously is known as </a:t>
+              <a:t>The </a:t>
+            </a:r>
+            <a:r>
+              <a:rPr lang="en-US" sz="2000" dirty="0" smtClean="0">
+                <a:solidFill>
+                  <a:srgbClr val="FF0000"/>
+                </a:solidFill>
+              </a:rPr>
+              <a:t>process of executing multiple threads simultaneously </a:t>
+            </a:r>
+            <a:r>
+              <a:rPr lang="en-US" sz="2000" dirty="0" smtClean="0"/>
+              <a:t>is known as </a:t>
             </a:r>
           </a:p>
           <a:p>
@@ -14740,7 +15412,19 @@
           <a:p>
             <a:r>
               <a:rPr lang="en-US" sz="2000" dirty="0"/>
-              <a:t>A Web browser is an example of a multithreaded application. Within a typical </a:t>
+              <a:t>A Web </a:t>
+            </a:r>
+            <a:r>
+              <a:rPr lang="en-US" sz="2000" dirty="0">
+                <a:solidFill>
+                  <a:srgbClr val="FF0000"/>
+                </a:solidFill>
+              </a:rPr>
+              <a:t>browser is an example of a multithreaded </a:t>
+            </a:r>
+            <a:r>
+              <a:rPr lang="en-US" sz="2000" dirty="0"/>
+              <a:t>application. Within a typical </a:t>
             </a:r>
             <a:endParaRPr lang="en-US" sz="2000" dirty="0" smtClean="0"/>
           </a:p>
@@ -14778,7 +15462,19 @@
             </a:r>
             <a:r>
               <a:rPr lang="en-US" sz="2000" dirty="0"/>
-              <a:t>, print a page in the background while you </a:t>
+              <a:t>, print a page in the background </a:t>
+            </a:r>
+            <a:r>
+              <a:rPr lang="en-US" sz="2000" dirty="0">
+                <a:solidFill>
+                  <a:srgbClr val="FF0000"/>
+                </a:solidFill>
+              </a:rPr>
+              <a:t>while</a:t>
+            </a:r>
+            <a:r>
+              <a:rPr lang="en-US" sz="2000" dirty="0"/>
+              <a:t> you </a:t>
             </a:r>
             <a:endParaRPr lang="en-US" sz="2000" dirty="0" smtClean="0"/>
           </a:p>
@@ -14867,7 +15563,7 @@
             <a:r>
               <a:rPr lang="en-US" sz="3200" dirty="0">
                 <a:solidFill>
-                  <a:schemeClr val="tx1"/>
+                  <a:srgbClr val="FF0000"/>
                 </a:solidFill>
                 <a:latin typeface="Arial" panose="020B0604020202020204" pitchFamily="34" charset="0"/>
                 <a:cs typeface="Arial" panose="020B0604020202020204" pitchFamily="34" charset="0"/>
@@ -15174,7 +15870,7 @@
             <a:r>
               <a:rPr lang="en-US" sz="3200" dirty="0" smtClean="0">
                 <a:solidFill>
-                  <a:schemeClr val="tx1"/>
+                  <a:srgbClr val="FF0000"/>
                 </a:solidFill>
                 <a:latin typeface="Arial" panose="020B0604020202020204" pitchFamily="34" charset="0"/>
                 <a:cs typeface="Arial" panose="020B0604020202020204" pitchFamily="34" charset="0"/>
@@ -15183,7 +15879,7 @@
             </a:r>
             <a:endParaRPr lang="en-US" sz="3200" dirty="0">
               <a:solidFill>
-                <a:schemeClr val="tx1"/>
+                <a:srgbClr val="FF0000"/>
               </a:solidFill>
               <a:latin typeface="Arial" panose="020B0604020202020204" pitchFamily="34" charset="0"/>
               <a:cs typeface="Arial" panose="020B0604020202020204" pitchFamily="34" charset="0"/>
@@ -15404,7 +16100,7 @@
             <a:r>
               <a:rPr lang="en-US" sz="3200" dirty="0" smtClean="0">
                 <a:solidFill>
-                  <a:schemeClr val="tx1"/>
+                  <a:srgbClr val="FF0000"/>
                 </a:solidFill>
                 <a:latin typeface="Arial" panose="020B0604020202020204" pitchFamily="34" charset="0"/>
                 <a:cs typeface="Arial" panose="020B0604020202020204" pitchFamily="34" charset="0"/>
@@ -15413,7 +16109,7 @@
             </a:r>
             <a:endParaRPr lang="en-US" sz="3200" dirty="0">
               <a:solidFill>
-                <a:schemeClr val="tx1"/>
+                <a:srgbClr val="FF0000"/>
               </a:solidFill>
               <a:latin typeface="Arial" panose="020B0604020202020204" pitchFamily="34" charset="0"/>
               <a:cs typeface="Arial" panose="020B0604020202020204" pitchFamily="34" charset="0"/>
@@ -15678,18 +16374,54 @@
             </a:r>
             <a:r>
               <a:rPr lang="en-US" sz="2000" dirty="0"/>
-              <a:t>thread is in runnable state after invocation of start() method, but the thread </a:t>
-            </a:r>
-            <a:endParaRPr lang="en-US" sz="2000" dirty="0" smtClean="0"/>
-          </a:p>
-          <a:p>
+              <a:t>thread is </a:t>
+            </a:r>
             <a:r>
               <a:rPr lang="en-US" sz="2000" dirty="0" smtClean="0"/>
-              <a:t>scheduler has </a:t>
+              <a:t>in runnable state after invocation of </a:t>
             </a:r>
             <a:r>
               <a:rPr lang="en-US" sz="2000" dirty="0"/>
-              <a:t>not selected it to be the running thread.</a:t>
+              <a:t>start() method, but the </a:t>
+            </a:r>
+            <a:r>
+              <a:rPr lang="en-US" sz="2000" dirty="0">
+                <a:solidFill>
+                  <a:srgbClr val="FF0000"/>
+                </a:solidFill>
+              </a:rPr>
+              <a:t>thread </a:t>
+            </a:r>
+            <a:endParaRPr lang="en-US" sz="2000" dirty="0" smtClean="0">
+              <a:solidFill>
+                <a:srgbClr val="FF0000"/>
+              </a:solidFill>
+            </a:endParaRPr>
+          </a:p>
+          <a:p>
+            <a:r>
+              <a:rPr lang="en-US" sz="2000" dirty="0" smtClean="0">
+                <a:solidFill>
+                  <a:srgbClr val="FF0000"/>
+                </a:solidFill>
+              </a:rPr>
+              <a:t>scheduler</a:t>
+            </a:r>
+            <a:r>
+              <a:rPr lang="en-US" sz="2000" dirty="0" smtClean="0"/>
+              <a:t> has </a:t>
+            </a:r>
+            <a:r>
+              <a:rPr lang="en-US" sz="2000" dirty="0"/>
+              <a:t>not </a:t>
+            </a:r>
+            <a:r>
+              <a:rPr lang="en-US" sz="2000" dirty="0" smtClean="0"/>
+              <a:t>selected </a:t>
+            </a:r>
+            <a:r>
+              <a:rPr lang="en-US" sz="2000" dirty="0"/>
+              <a:t>it to be the running thread.</a:t>
             </a:r>
           </a:p>
           <a:p>
@@ -15715,7 +16447,19 @@
           <a:p>
             <a:r>
               <a:rPr lang="en-US" sz="2000" dirty="0"/>
-              <a:t>The thread is in running state if the thread scheduler has selected it.</a:t>
+              <a:t>The thread is in running state if </a:t>
+            </a:r>
+            <a:r>
+              <a:rPr lang="en-US" sz="2000" dirty="0">
+                <a:solidFill>
+                  <a:srgbClr val="FF0000"/>
+                </a:solidFill>
+              </a:rPr>
+              <a:t>the thread scheduler has selected it</a:t>
+            </a:r>
+            <a:r>
+              <a:rPr lang="en-US" sz="2000" dirty="0"/>
+              <a:t>.</a:t>
             </a:r>
           </a:p>
           <a:p>
